--- a/Final Project/Articles/Presentation.pptx
+++ b/Final Project/Articles/Presentation.pptx
@@ -5,7 +5,7 @@
     <p:sldMasterId id="2147483648" r:id="rId1"/>
   </p:sldMasterIdLst>
   <p:notesMasterIdLst>
-    <p:notesMasterId r:id="rId14"/>
+    <p:notesMasterId r:id="rId15"/>
   </p:notesMasterIdLst>
   <p:sldIdLst>
     <p:sldId id="256" r:id="rId2"/>
@@ -18,8 +18,9 @@
     <p:sldId id="261" r:id="rId9"/>
     <p:sldId id="265" r:id="rId10"/>
     <p:sldId id="266" r:id="rId11"/>
-    <p:sldId id="267" r:id="rId12"/>
-    <p:sldId id="262" r:id="rId13"/>
+    <p:sldId id="262" r:id="rId12"/>
+    <p:sldId id="267" r:id="rId13"/>
+    <p:sldId id="268" r:id="rId14"/>
   </p:sldIdLst>
   <p:sldSz cx="12192000" cy="6858000"/>
   <p:notesSz cx="6858000" cy="9144000"/>
@@ -208,7 +209,7 @@
           <a:p>
             <a:fld id="{27148A21-4816-4A04-9E36-14D99E7DD866}" type="datetimeFigureOut">
               <a:rPr lang="en-US" smtClean="0"/>
-              <a:t>2/12/2024</a:t>
+              <a:t>2/24/2024</a:t>
             </a:fld>
             <a:endParaRPr lang="en-US"/>
           </a:p>
@@ -691,7 +692,7 @@
           <a:p>
             <a:fld id="{F0AB66BB-B0DB-4033-8855-802EF31F8B31}" type="datetimeFigureOut">
               <a:rPr lang="en-US" smtClean="0"/>
-              <a:t>2/12/2024</a:t>
+              <a:t>2/24/2024</a:t>
             </a:fld>
             <a:endParaRPr lang="en-US"/>
           </a:p>
@@ -861,7 +862,7 @@
           <a:p>
             <a:fld id="{F0AB66BB-B0DB-4033-8855-802EF31F8B31}" type="datetimeFigureOut">
               <a:rPr lang="en-US" smtClean="0"/>
-              <a:t>2/12/2024</a:t>
+              <a:t>2/24/2024</a:t>
             </a:fld>
             <a:endParaRPr lang="en-US"/>
           </a:p>
@@ -1041,7 +1042,7 @@
           <a:p>
             <a:fld id="{F0AB66BB-B0DB-4033-8855-802EF31F8B31}" type="datetimeFigureOut">
               <a:rPr lang="en-US" smtClean="0"/>
-              <a:t>2/12/2024</a:t>
+              <a:t>2/24/2024</a:t>
             </a:fld>
             <a:endParaRPr lang="en-US"/>
           </a:p>
@@ -1211,7 +1212,7 @@
           <a:p>
             <a:fld id="{F0AB66BB-B0DB-4033-8855-802EF31F8B31}" type="datetimeFigureOut">
               <a:rPr lang="en-US" smtClean="0"/>
-              <a:t>2/12/2024</a:t>
+              <a:t>2/24/2024</a:t>
             </a:fld>
             <a:endParaRPr lang="en-US"/>
           </a:p>
@@ -1457,7 +1458,7 @@
           <a:p>
             <a:fld id="{F0AB66BB-B0DB-4033-8855-802EF31F8B31}" type="datetimeFigureOut">
               <a:rPr lang="en-US" smtClean="0"/>
-              <a:t>2/12/2024</a:t>
+              <a:t>2/24/2024</a:t>
             </a:fld>
             <a:endParaRPr lang="en-US"/>
           </a:p>
@@ -1689,7 +1690,7 @@
           <a:p>
             <a:fld id="{F0AB66BB-B0DB-4033-8855-802EF31F8B31}" type="datetimeFigureOut">
               <a:rPr lang="en-US" smtClean="0"/>
-              <a:t>2/12/2024</a:t>
+              <a:t>2/24/2024</a:t>
             </a:fld>
             <a:endParaRPr lang="en-US"/>
           </a:p>
@@ -2056,7 +2057,7 @@
           <a:p>
             <a:fld id="{F0AB66BB-B0DB-4033-8855-802EF31F8B31}" type="datetimeFigureOut">
               <a:rPr lang="en-US" smtClean="0"/>
-              <a:t>2/12/2024</a:t>
+              <a:t>2/24/2024</a:t>
             </a:fld>
             <a:endParaRPr lang="en-US"/>
           </a:p>
@@ -2174,7 +2175,7 @@
           <a:p>
             <a:fld id="{F0AB66BB-B0DB-4033-8855-802EF31F8B31}" type="datetimeFigureOut">
               <a:rPr lang="en-US" smtClean="0"/>
-              <a:t>2/12/2024</a:t>
+              <a:t>2/24/2024</a:t>
             </a:fld>
             <a:endParaRPr lang="en-US"/>
           </a:p>
@@ -2269,7 +2270,7 @@
           <a:p>
             <a:fld id="{F0AB66BB-B0DB-4033-8855-802EF31F8B31}" type="datetimeFigureOut">
               <a:rPr lang="en-US" smtClean="0"/>
-              <a:t>2/12/2024</a:t>
+              <a:t>2/24/2024</a:t>
             </a:fld>
             <a:endParaRPr lang="en-US"/>
           </a:p>
@@ -2546,7 +2547,7 @@
           <a:p>
             <a:fld id="{F0AB66BB-B0DB-4033-8855-802EF31F8B31}" type="datetimeFigureOut">
               <a:rPr lang="en-US" smtClean="0"/>
-              <a:t>2/12/2024</a:t>
+              <a:t>2/24/2024</a:t>
             </a:fld>
             <a:endParaRPr lang="en-US"/>
           </a:p>
@@ -2799,7 +2800,7 @@
           <a:p>
             <a:fld id="{F0AB66BB-B0DB-4033-8855-802EF31F8B31}" type="datetimeFigureOut">
               <a:rPr lang="en-US" smtClean="0"/>
-              <a:t>2/12/2024</a:t>
+              <a:t>2/24/2024</a:t>
             </a:fld>
             <a:endParaRPr lang="en-US"/>
           </a:p>
@@ -3012,7 +3013,7 @@
           <a:p>
             <a:fld id="{F0AB66BB-B0DB-4033-8855-802EF31F8B31}" type="datetimeFigureOut">
               <a:rPr lang="en-US" smtClean="0"/>
-              <a:t>2/12/2024</a:t>
+              <a:t>2/24/2024</a:t>
             </a:fld>
             <a:endParaRPr lang="en-US"/>
           </a:p>
@@ -3876,6 +3877,135 @@
 </file>
 
 <file path=ppt/slides/slide11.xml><?xml version="1.0" encoding="utf-8"?>
+<p:sld xmlns:a="http://schemas.openxmlformats.org/drawingml/2006/main" xmlns:r="http://schemas.openxmlformats.org/officeDocument/2006/relationships" xmlns:p="http://schemas.openxmlformats.org/presentationml/2006/main">
+  <p:cSld>
+    <p:spTree>
+      <p:nvGrpSpPr>
+        <p:cNvPr id="1" name=""/>
+        <p:cNvGrpSpPr/>
+        <p:nvPr/>
+      </p:nvGrpSpPr>
+      <p:grpSpPr>
+        <a:xfrm>
+          <a:off x="0" y="0"/>
+          <a:ext cx="0" cy="0"/>
+          <a:chOff x="0" y="0"/>
+          <a:chExt cx="0" cy="0"/>
+        </a:xfrm>
+      </p:grpSpPr>
+      <p:sp>
+        <p:nvSpPr>
+          <p:cNvPr id="2" name="Title 1"/>
+          <p:cNvSpPr>
+            <a:spLocks noGrp="1"/>
+          </p:cNvSpPr>
+          <p:nvPr>
+            <p:ph type="title"/>
+          </p:nvPr>
+        </p:nvSpPr>
+        <p:spPr/>
+        <p:txBody>
+          <a:bodyPr/>
+          <a:lstStyle/>
+          <a:p>
+            <a:r>
+              <a:rPr lang="en-US" u="sng" dirty="0" smtClean="0">
+                <a:latin typeface="Times New Roman" panose="02020603050405020304" pitchFamily="18" charset="0"/>
+                <a:cs typeface="Times New Roman" panose="02020603050405020304" pitchFamily="18" charset="0"/>
+              </a:rPr>
+              <a:t>Crossover</a:t>
+            </a:r>
+            <a:r>
+              <a:rPr lang="en-US" dirty="0" smtClean="0"/>
+              <a:t>:</a:t>
+            </a:r>
+            <a:endParaRPr lang="en-US" dirty="0"/>
+          </a:p>
+        </p:txBody>
+      </p:sp>
+      <p:sp>
+        <p:nvSpPr>
+          <p:cNvPr id="3" name="Content Placeholder 2"/>
+          <p:cNvSpPr>
+            <a:spLocks noGrp="1"/>
+          </p:cNvSpPr>
+          <p:nvPr>
+            <p:ph idx="1"/>
+          </p:nvPr>
+        </p:nvSpPr>
+        <p:spPr/>
+        <p:txBody>
+          <a:bodyPr/>
+          <a:lstStyle/>
+          <a:p>
+            <a:r>
+              <a:rPr lang="en-US" dirty="0" smtClean="0">
+                <a:latin typeface="Times New Roman" panose="02020603050405020304" pitchFamily="18" charset="0"/>
+                <a:cs typeface="Times New Roman" panose="02020603050405020304" pitchFamily="18" charset="0"/>
+              </a:rPr>
+              <a:t>SBX</a:t>
+            </a:r>
+          </a:p>
+          <a:p>
+            <a:r>
+              <a:rPr lang="en-US" dirty="0" smtClean="0">
+                <a:latin typeface="Times New Roman" panose="02020603050405020304" pitchFamily="18" charset="0"/>
+                <a:cs typeface="Times New Roman" panose="02020603050405020304" pitchFamily="18" charset="0"/>
+              </a:rPr>
+              <a:t>PCX</a:t>
+            </a:r>
+          </a:p>
+          <a:p>
+            <a:r>
+              <a:rPr lang="en-US" dirty="0" smtClean="0">
+                <a:latin typeface="Times New Roman" panose="02020603050405020304" pitchFamily="18" charset="0"/>
+                <a:cs typeface="Times New Roman" panose="02020603050405020304" pitchFamily="18" charset="0"/>
+              </a:rPr>
+              <a:t>SPX</a:t>
+            </a:r>
+          </a:p>
+          <a:p>
+            <a:r>
+              <a:rPr lang="en-US" dirty="0" err="1" smtClean="0">
+                <a:latin typeface="Times New Roman" panose="02020603050405020304" pitchFamily="18" charset="0"/>
+                <a:cs typeface="Times New Roman" panose="02020603050405020304" pitchFamily="18" charset="0"/>
+              </a:rPr>
+              <a:t>BLX_alpha</a:t>
+            </a:r>
+            <a:endParaRPr lang="en-US" dirty="0" smtClean="0">
+              <a:latin typeface="Times New Roman" panose="02020603050405020304" pitchFamily="18" charset="0"/>
+              <a:cs typeface="Times New Roman" panose="02020603050405020304" pitchFamily="18" charset="0"/>
+            </a:endParaRPr>
+          </a:p>
+          <a:p>
+            <a:r>
+              <a:rPr lang="en-US" sz="2505" dirty="0" smtClean="0">
+                <a:latin typeface="Times New Roman" panose="02020603050405020304" pitchFamily="18" charset="0"/>
+                <a:cs typeface="Times New Roman" panose="02020603050405020304" pitchFamily="18" charset="0"/>
+              </a:rPr>
+              <a:t>DE/Rand/1</a:t>
+            </a:r>
+            <a:endParaRPr lang="en-US" sz="2505" dirty="0">
+              <a:latin typeface="Times New Roman" panose="02020603050405020304" pitchFamily="18" charset="0"/>
+              <a:cs typeface="Times New Roman" panose="02020603050405020304" pitchFamily="18" charset="0"/>
+            </a:endParaRPr>
+          </a:p>
+        </p:txBody>
+      </p:sp>
+    </p:spTree>
+    <p:extLst>
+      <p:ext uri="{BB962C8B-B14F-4D97-AF65-F5344CB8AC3E}">
+        <p14:creationId xmlns:p14="http://schemas.microsoft.com/office/powerpoint/2010/main" val="3689894620"/>
+      </p:ext>
+    </p:extLst>
+  </p:cSld>
+  <p:clrMapOvr>
+    <a:masterClrMapping/>
+  </p:clrMapOvr>
+</p:sld>
+</file>
+
+<file path=ppt/slides/slide12.xml><?xml version="1.0" encoding="utf-8"?>
 <p:sld xmlns:a="http://schemas.openxmlformats.org/drawingml/2006/main" xmlns:r="http://schemas.openxmlformats.org/officeDocument/2006/relationships" xmlns:p="http://schemas.openxmlformats.org/presentationml/2006/main">
   <p:cSld>
     <p:spTree>
@@ -5070,7 +5200,7 @@
 </p:sld>
 </file>
 
-<file path=ppt/slides/slide12.xml><?xml version="1.0" encoding="utf-8"?>
+<file path=ppt/slides/slide13.xml><?xml version="1.0" encoding="utf-8"?>
 <p:sld xmlns:a="http://schemas.openxmlformats.org/drawingml/2006/main" xmlns:r="http://schemas.openxmlformats.org/officeDocument/2006/relationships" xmlns:p="http://schemas.openxmlformats.org/presentationml/2006/main">
   <p:cSld>
     <p:spTree>
@@ -5102,7 +5232,18 @@
           <a:bodyPr/>
           <a:lstStyle/>
           <a:p>
-            <a:endParaRPr lang="en-US"/>
+            <a:r>
+              <a:rPr lang="en-US" u="sng" dirty="0" smtClean="0">
+                <a:latin typeface="Times New Roman" panose="02020603050405020304" pitchFamily="18" charset="0"/>
+                <a:cs typeface="Times New Roman" panose="02020603050405020304" pitchFamily="18" charset="0"/>
+              </a:rPr>
+              <a:t>Mutation</a:t>
+            </a:r>
+            <a:r>
+              <a:rPr lang="en-US" dirty="0" smtClean="0"/>
+              <a:t>:</a:t>
+            </a:r>
+            <a:endParaRPr lang="en-US" dirty="0"/>
           </a:p>
         </p:txBody>
       </p:sp>
@@ -5121,14 +5262,24 @@
           <a:bodyPr/>
           <a:lstStyle/>
           <a:p>
-            <a:endParaRPr lang="en-US" dirty="0"/>
+            <a:r>
+              <a:rPr lang="en-US" dirty="0" smtClean="0">
+                <a:latin typeface="Times New Roman" panose="02020603050405020304" pitchFamily="18" charset="0"/>
+                <a:cs typeface="Times New Roman" panose="02020603050405020304" pitchFamily="18" charset="0"/>
+              </a:rPr>
+              <a:t>Polynomial</a:t>
+            </a:r>
+            <a:endParaRPr lang="en-US" sz="2505" dirty="0">
+              <a:latin typeface="Times New Roman" panose="02020603050405020304" pitchFamily="18" charset="0"/>
+              <a:cs typeface="Times New Roman" panose="02020603050405020304" pitchFamily="18" charset="0"/>
+            </a:endParaRPr>
           </a:p>
         </p:txBody>
       </p:sp>
     </p:spTree>
     <p:extLst>
       <p:ext uri="{BB962C8B-B14F-4D97-AF65-F5344CB8AC3E}">
-        <p14:creationId xmlns:p14="http://schemas.microsoft.com/office/powerpoint/2010/main" val="3689894620"/>
+        <p14:creationId xmlns:p14="http://schemas.microsoft.com/office/powerpoint/2010/main" val="3174324465"/>
       </p:ext>
     </p:extLst>
   </p:cSld>
